--- a/2.lfsr/LFSR.pptx
+++ b/2.lfsr/LFSR.pptx
@@ -137,7 +137,7 @@
 <file path=ppt/revisionInfo.xml><?xml version="1.0" encoding="utf-8"?>
 <p1510:revInfo xmlns:a="http://schemas.openxmlformats.org/drawingml/2006/main" xmlns:r="http://schemas.openxmlformats.org/officeDocument/2006/relationships" xmlns:p1510="http://schemas.microsoft.com/office/powerpoint/2015/10/main">
   <p1510:revLst>
-    <p1510:client id="{D80EBA76-ABCA-4B0F-8AE0-A2035AE38B0A}" v="6" dt="2020-03-23T06:59:23.134"/>
+    <p1510:client id="{D80EBA76-ABCA-4B0F-8AE0-A2035AE38B0A}" v="74" dt="2020-03-23T09:58:40.024"/>
   </p1510:revLst>
 </p1510:revInfo>
 </file>
@@ -6397,7 +6397,7 @@
   <pc:docChgLst>
     <pc:chgData name="Alex Marchioni" userId="6eb3c6d8-756f-4c94-a08e-610dca54a7e5" providerId="ADAL" clId="{D80EBA76-ABCA-4B0F-8AE0-A2035AE38B0A}"/>
     <pc:docChg chg="custSel modSld">
-      <pc:chgData name="Alex Marchioni" userId="6eb3c6d8-756f-4c94-a08e-610dca54a7e5" providerId="ADAL" clId="{D80EBA76-ABCA-4B0F-8AE0-A2035AE38B0A}" dt="2020-03-10T12:45:31.523" v="119" actId="20577"/>
+      <pc:chgData name="Alex Marchioni" userId="6eb3c6d8-756f-4c94-a08e-610dca54a7e5" providerId="ADAL" clId="{D80EBA76-ABCA-4B0F-8AE0-A2035AE38B0A}" dt="2020-03-23T13:02:45.380" v="191" actId="6549"/>
       <pc:docMkLst>
         <pc:docMk/>
       </pc:docMkLst>
@@ -6417,6 +6417,21 @@
         </pc:spChg>
       </pc:sldChg>
       <pc:sldChg chg="modSp mod">
+        <pc:chgData name="Alex Marchioni" userId="6eb3c6d8-756f-4c94-a08e-610dca54a7e5" providerId="ADAL" clId="{D80EBA76-ABCA-4B0F-8AE0-A2035AE38B0A}" dt="2020-03-23T13:02:45.380" v="191" actId="6549"/>
+        <pc:sldMkLst>
+          <pc:docMk/>
+          <pc:sldMk cId="3827139513" sldId="257"/>
+        </pc:sldMkLst>
+        <pc:spChg chg="mod">
+          <ac:chgData name="Alex Marchioni" userId="6eb3c6d8-756f-4c94-a08e-610dca54a7e5" providerId="ADAL" clId="{D80EBA76-ABCA-4B0F-8AE0-A2035AE38B0A}" dt="2020-03-23T13:02:45.380" v="191" actId="6549"/>
+          <ac:spMkLst>
+            <pc:docMk/>
+            <pc:sldMk cId="3827139513" sldId="257"/>
+            <ac:spMk id="3" creationId="{8EC84BF3-32ED-4992-90C1-178D9D626E4F}"/>
+          </ac:spMkLst>
+        </pc:spChg>
+      </pc:sldChg>
+      <pc:sldChg chg="modSp mod">
         <pc:chgData name="Alex Marchioni" userId="6eb3c6d8-756f-4c94-a08e-610dca54a7e5" providerId="ADAL" clId="{D80EBA76-ABCA-4B0F-8AE0-A2035AE38B0A}" dt="2020-03-10T11:24:44.881" v="17" actId="20577"/>
         <pc:sldMkLst>
           <pc:docMk/>
@@ -6481,6 +6496,21 @@
             <pc:docMk/>
             <pc:sldMk cId="2143195087" sldId="270"/>
             <ac:spMk id="8" creationId="{DAEED9BB-C25E-4462-B880-90192EEE0214}"/>
+          </ac:spMkLst>
+        </pc:spChg>
+      </pc:sldChg>
+      <pc:sldChg chg="modSp mod">
+        <pc:chgData name="Alex Marchioni" userId="6eb3c6d8-756f-4c94-a08e-610dca54a7e5" providerId="ADAL" clId="{D80EBA76-ABCA-4B0F-8AE0-A2035AE38B0A}" dt="2020-03-23T09:58:40.024" v="188" actId="1076"/>
+        <pc:sldMkLst>
+          <pc:docMk/>
+          <pc:sldMk cId="3430393769" sldId="281"/>
+        </pc:sldMkLst>
+        <pc:spChg chg="mod">
+          <ac:chgData name="Alex Marchioni" userId="6eb3c6d8-756f-4c94-a08e-610dca54a7e5" providerId="ADAL" clId="{D80EBA76-ABCA-4B0F-8AE0-A2035AE38B0A}" dt="2020-03-23T09:58:40.024" v="188" actId="1076"/>
+          <ac:spMkLst>
+            <pc:docMk/>
+            <pc:sldMk cId="3430393769" sldId="281"/>
+            <ac:spMk id="7" creationId="{4502B0D6-1C21-45D4-ADBF-19DEE4BF1527}"/>
           </ac:spMkLst>
         </pc:spChg>
       </pc:sldChg>
@@ -34952,7 +34982,15 @@
             </a:r>
             <a:r>
               <a:rPr lang="en-US" dirty="0"/>
-              <a:t> that implements an LFSR. Given a feedback polynomial and an initial state, it generates an infinite stream of bit.</a:t>
+              <a:t> that implements an LFSR. Given </a:t>
+            </a:r>
+            <a:r>
+              <a:rPr lang="en-US"/>
+              <a:t>a polynomial </a:t>
+            </a:r>
+            <a:r>
+              <a:rPr lang="en-US" dirty="0"/>
+              <a:t>and an initial state, it generates an infinite stream of bits.</a:t>
             </a:r>
           </a:p>
           <a:p>
@@ -36741,8 +36779,8 @@
         </p:nvSpPr>
         <p:spPr bwMode="auto">
           <a:xfrm>
-            <a:off x="3309981" y="3641701"/>
-            <a:ext cx="5572038" cy="2215991"/>
+            <a:off x="2676795" y="3429000"/>
+            <a:ext cx="6838410" cy="2215991"/>
           </a:xfrm>
           <a:prstGeom prst="rect">
             <a:avLst/>
@@ -36917,78 +36955,41 @@
             </a:r>
           </a:p>
           <a:p>
-            <a:pPr marL="0" marR="0" lvl="0" indent="0" algn="l" defTabSz="914400" rtl="0" eaLnBrk="0" fontAlgn="base" latinLnBrk="0" hangingPunct="0">
-              <a:lnSpc>
-                <a:spcPct val="100000"/>
-              </a:lnSpc>
+            <a:pPr lvl="0" eaLnBrk="0" fontAlgn="base" hangingPunct="0">
               <a:spcBef>
                 <a:spcPct val="0"/>
               </a:spcBef>
               <a:spcAft>
                 <a:spcPct val="0"/>
               </a:spcAft>
-              <a:buClrTx/>
-              <a:buSzTx/>
-              <a:buFontTx/>
-              <a:buNone/>
-              <a:tabLst/>
             </a:pPr>
             <a:r>
-              <a:rPr kumimoji="0" lang="it-IT" altLang="it-IT" b="0" i="0" u="none" strike="noStrike" cap="none" normalizeH="0" baseline="0" dirty="0">
-                <a:ln>
-                  <a:noFill/>
-                </a:ln>
+              <a:rPr lang="it-IT" altLang="it-IT" dirty="0">
                 <a:solidFill>
                   <a:srgbClr val="37474F"/>
                 </a:solidFill>
-                <a:effectLst/>
                 <a:latin typeface="Consolas" panose="020B0609020204030204" pitchFamily="49" charset="0"/>
               </a:rPr>
-              <a:t>inputs = [...] </a:t>
+              <a:t>lfsr = lfsr_generator(...) </a:t>
             </a:r>
             <a:r>
-              <a:rPr kumimoji="0" lang="it-IT" altLang="it-IT" b="0" i="0" u="none" strike="noStrike" cap="none" normalizeH="0" baseline="0" dirty="0">
-                <a:ln>
-                  <a:noFill/>
-                </a:ln>
+              <a:rPr lang="it-IT" altLang="it-IT" dirty="0">
                 <a:solidFill>
                   <a:srgbClr val="D81B60"/>
                 </a:solidFill>
-                <a:effectLst/>
                 <a:latin typeface="Consolas" panose="020B0609020204030204" pitchFamily="49" charset="0"/>
               </a:rPr>
-              <a:t># list of generator inputs</a:t>
-            </a:r>
-            <a:r>
-              <a:rPr kumimoji="0" lang="it-IT" altLang="it-IT" b="0" i="0" u="none" strike="noStrike" cap="none" normalizeH="0" baseline="0" dirty="0">
-                <a:ln>
-                  <a:noFill/>
-                </a:ln>
-                <a:solidFill>
-                  <a:srgbClr val="37474F"/>
-                </a:solidFill>
-                <a:effectLst/>
-                <a:latin typeface="Consolas" panose="020B0609020204030204" pitchFamily="49" charset="0"/>
-              </a:rPr>
-              <a:t> </a:t>
+              <a:t># define the lfsr generator</a:t>
             </a:r>
           </a:p>
           <a:p>
-            <a:pPr marL="0" marR="0" lvl="0" indent="0" algn="l" defTabSz="914400" rtl="0" eaLnBrk="0" fontAlgn="base" latinLnBrk="0" hangingPunct="0">
-              <a:lnSpc>
-                <a:spcPct val="100000"/>
-              </a:lnSpc>
+            <a:pPr lvl="0" eaLnBrk="0" fontAlgn="base" hangingPunct="0">
               <a:spcBef>
                 <a:spcPct val="0"/>
               </a:spcBef>
               <a:spcAft>
                 <a:spcPct val="0"/>
               </a:spcAft>
-              <a:buClrTx/>
-              <a:buSzTx/>
-              <a:buFontTx/>
-              <a:buNone/>
-              <a:tabLst/>
             </a:pPr>
             <a:endParaRPr lang="it-IT" altLang="it-IT" dirty="0">
               <a:solidFill>
@@ -37064,7 +37065,7 @@
                 <a:effectLst/>
                 <a:latin typeface="Consolas" panose="020B0609020204030204" pitchFamily="49" charset="0"/>
               </a:rPr>
-              <a:t> islice(generator(*inputs), niter): </a:t>
+              <a:t> islice(lfsr, niter): </a:t>
             </a:r>
           </a:p>
           <a:p>

--- a/2.lfsr/LFSR.pptx
+++ b/2.lfsr/LFSR.pptx
@@ -6397,7 +6397,7 @@
   <pc:docChgLst>
     <pc:chgData name="Alex Marchioni" userId="6eb3c6d8-756f-4c94-a08e-610dca54a7e5" providerId="ADAL" clId="{D80EBA76-ABCA-4B0F-8AE0-A2035AE38B0A}"/>
     <pc:docChg chg="custSel modSld">
-      <pc:chgData name="Alex Marchioni" userId="6eb3c6d8-756f-4c94-a08e-610dca54a7e5" providerId="ADAL" clId="{D80EBA76-ABCA-4B0F-8AE0-A2035AE38B0A}" dt="2020-03-23T13:02:45.380" v="191" actId="6549"/>
+      <pc:chgData name="Alex Marchioni" userId="6eb3c6d8-756f-4c94-a08e-610dca54a7e5" providerId="ADAL" clId="{D80EBA76-ABCA-4B0F-8AE0-A2035AE38B0A}" dt="2020-03-30T08:39:29.332" v="199" actId="20577"/>
       <pc:docMkLst>
         <pc:docMk/>
       </pc:docMkLst>
@@ -6477,13 +6477,13 @@
         </pc:spChg>
       </pc:sldChg>
       <pc:sldChg chg="modSp mod">
-        <pc:chgData name="Alex Marchioni" userId="6eb3c6d8-756f-4c94-a08e-610dca54a7e5" providerId="ADAL" clId="{D80EBA76-ABCA-4B0F-8AE0-A2035AE38B0A}" dt="2020-03-10T12:04:51.583" v="67" actId="20577"/>
+        <pc:chgData name="Alex Marchioni" userId="6eb3c6d8-756f-4c94-a08e-610dca54a7e5" providerId="ADAL" clId="{D80EBA76-ABCA-4B0F-8AE0-A2035AE38B0A}" dt="2020-03-30T08:39:29.332" v="199" actId="20577"/>
         <pc:sldMkLst>
           <pc:docMk/>
           <pc:sldMk cId="2143195087" sldId="270"/>
         </pc:sldMkLst>
         <pc:spChg chg="mod">
-          <ac:chgData name="Alex Marchioni" userId="6eb3c6d8-756f-4c94-a08e-610dca54a7e5" providerId="ADAL" clId="{D80EBA76-ABCA-4B0F-8AE0-A2035AE38B0A}" dt="2020-03-10T11:48:55.067" v="65"/>
+          <ac:chgData name="Alex Marchioni" userId="6eb3c6d8-756f-4c94-a08e-610dca54a7e5" providerId="ADAL" clId="{D80EBA76-ABCA-4B0F-8AE0-A2035AE38B0A}" dt="2020-03-30T08:39:29.332" v="199" actId="20577"/>
           <ac:spMkLst>
             <pc:docMk/>
             <pc:sldMk cId="2143195087" sldId="270"/>
@@ -6631,7 +6631,7 @@
           <a:p>
             <a:fld id="{B901049E-A23C-44F2-ADC7-F69A9B226C92}" type="datetimeFigureOut">
               <a:rPr lang="it-IT" smtClean="0"/>
-              <a:t>23/03/2020</a:t>
+              <a:t>30/03/2020</a:t>
             </a:fld>
             <a:endParaRPr lang="it-IT"/>
           </a:p>
@@ -15247,7 +15247,7 @@
                 <a:effectLst/>
                 <a:latin typeface="Consolas" panose="020B0609020204030204" pitchFamily="49" charset="0"/>
               </a:rPr>
-              <a:t> poly</a:t>
+              <a:t> poly, degree</a:t>
             </a:r>
             <a:r>
               <a:rPr kumimoji="0" lang="it-IT" altLang="it-IT" b="0" i="0" u="none" strike="noStrike" cap="none" normalizeH="0" baseline="0" dirty="0">
